--- a/projet-wireframe.pptx
+++ b/projet-wireframe.pptx
@@ -3243,8 +3243,8 @@
         </p:nvSpPr>
         <p:spPr>
           <a:xfrm>
-            <a:off x="3505200" y="4267200"/>
-            <a:ext cx="4709160" cy="1981200"/>
+            <a:off x="3276600" y="4267200"/>
+            <a:ext cx="4876800" cy="1981200"/>
           </a:xfrm>
         </p:spPr>
         <p:txBody>
@@ -3271,8 +3271,12 @@
               <a:t>Taoufiq </a:t>
             </a:r>
             <a:r>
-              <a:rPr lang="fr-MA" sz="8000" dirty="0" err="1"/>
+              <a:rPr lang="fr-MA" sz="8000" dirty="0" err="1" smtClean="0"/>
               <a:t>Rhouas</a:t>
+            </a:r>
+            <a:r>
+              <a:rPr lang="fr-MA" sz="8000" dirty="0" smtClean="0"/>
+              <a:t> (page accueil )</a:t>
             </a:r>
             <a:endParaRPr lang="fr-MA" sz="8000" dirty="0"/>
           </a:p>
@@ -3290,8 +3294,12 @@
               <a:t> </a:t>
             </a:r>
             <a:r>
-              <a:rPr lang="fr-MA" sz="8000" dirty="0" err="1"/>
+              <a:rPr lang="fr-MA" sz="8000" dirty="0" err="1" smtClean="0"/>
               <a:t>Benmansour</a:t>
+            </a:r>
+            <a:r>
+              <a:rPr lang="fr-MA" sz="8000" dirty="0" smtClean="0"/>
+              <a:t> (page contact)</a:t>
             </a:r>
             <a:endParaRPr lang="fr-MA" sz="8000" dirty="0"/>
           </a:p>
@@ -3305,8 +3313,12 @@
               <a:t>Mohammed Amine </a:t>
             </a:r>
             <a:r>
-              <a:rPr lang="fr-MA" sz="8000" dirty="0" err="1"/>
+              <a:rPr lang="fr-MA" sz="8000" dirty="0" err="1" smtClean="0"/>
               <a:t>Bettaoui</a:t>
+            </a:r>
+            <a:r>
+              <a:rPr lang="fr-MA" sz="8000" dirty="0" smtClean="0"/>
+              <a:t> (page menu)</a:t>
             </a:r>
             <a:endParaRPr lang="en-US" sz="8000" dirty="0"/>
           </a:p>
